--- a/Presentation/bio133 device design.pptx
+++ b/Presentation/bio133 device design.pptx
@@ -108,6 +108,11 @@
       </a:defRPr>
     </a:lvl9pPr>
   </p:defaultTextStyle>
+  <p:extLst>
+    <p:ext uri="{EFAFB233-063F-42B5-8137-9DF3F51BA10A}">
+      <p15:sldGuideLst xmlns:p15="http://schemas.microsoft.com/office/powerpoint/2012/main"/>
+    </p:ext>
+  </p:extLst>
 </p:presentation>
 </file>
 
@@ -258,7 +263,7 @@
           <a:p>
             <a:fld id="{D8933E5B-3FC3-4E87-9327-893B63A51CD4}" type="datetimeFigureOut">
               <a:rPr lang="en-US" smtClean="0"/>
-              <a:t>2/8/2024</a:t>
+              <a:t>2/21/2024</a:t>
             </a:fld>
             <a:endParaRPr lang="en-US"/>
           </a:p>
@@ -456,7 +461,7 @@
           <a:p>
             <a:fld id="{D8933E5B-3FC3-4E87-9327-893B63A51CD4}" type="datetimeFigureOut">
               <a:rPr lang="en-US" smtClean="0"/>
-              <a:t>2/8/2024</a:t>
+              <a:t>2/21/2024</a:t>
             </a:fld>
             <a:endParaRPr lang="en-US"/>
           </a:p>
@@ -664,7 +669,7 @@
           <a:p>
             <a:fld id="{D8933E5B-3FC3-4E87-9327-893B63A51CD4}" type="datetimeFigureOut">
               <a:rPr lang="en-US" smtClean="0"/>
-              <a:t>2/8/2024</a:t>
+              <a:t>2/21/2024</a:t>
             </a:fld>
             <a:endParaRPr lang="en-US"/>
           </a:p>
@@ -862,7 +867,7 @@
           <a:p>
             <a:fld id="{D8933E5B-3FC3-4E87-9327-893B63A51CD4}" type="datetimeFigureOut">
               <a:rPr lang="en-US" smtClean="0"/>
-              <a:t>2/8/2024</a:t>
+              <a:t>2/21/2024</a:t>
             </a:fld>
             <a:endParaRPr lang="en-US"/>
           </a:p>
@@ -1137,7 +1142,7 @@
           <a:p>
             <a:fld id="{D8933E5B-3FC3-4E87-9327-893B63A51CD4}" type="datetimeFigureOut">
               <a:rPr lang="en-US" smtClean="0"/>
-              <a:t>2/8/2024</a:t>
+              <a:t>2/21/2024</a:t>
             </a:fld>
             <a:endParaRPr lang="en-US"/>
           </a:p>
@@ -1402,7 +1407,7 @@
           <a:p>
             <a:fld id="{D8933E5B-3FC3-4E87-9327-893B63A51CD4}" type="datetimeFigureOut">
               <a:rPr lang="en-US" smtClean="0"/>
-              <a:t>2/8/2024</a:t>
+              <a:t>2/21/2024</a:t>
             </a:fld>
             <a:endParaRPr lang="en-US"/>
           </a:p>
@@ -1814,7 +1819,7 @@
           <a:p>
             <a:fld id="{D8933E5B-3FC3-4E87-9327-893B63A51CD4}" type="datetimeFigureOut">
               <a:rPr lang="en-US" smtClean="0"/>
-              <a:t>2/8/2024</a:t>
+              <a:t>2/21/2024</a:t>
             </a:fld>
             <a:endParaRPr lang="en-US"/>
           </a:p>
@@ -1955,7 +1960,7 @@
           <a:p>
             <a:fld id="{D8933E5B-3FC3-4E87-9327-893B63A51CD4}" type="datetimeFigureOut">
               <a:rPr lang="en-US" smtClean="0"/>
-              <a:t>2/8/2024</a:t>
+              <a:t>2/21/2024</a:t>
             </a:fld>
             <a:endParaRPr lang="en-US"/>
           </a:p>
@@ -2068,7 +2073,7 @@
           <a:p>
             <a:fld id="{D8933E5B-3FC3-4E87-9327-893B63A51CD4}" type="datetimeFigureOut">
               <a:rPr lang="en-US" smtClean="0"/>
-              <a:t>2/8/2024</a:t>
+              <a:t>2/21/2024</a:t>
             </a:fld>
             <a:endParaRPr lang="en-US"/>
           </a:p>
@@ -2379,7 +2384,7 @@
           <a:p>
             <a:fld id="{D8933E5B-3FC3-4E87-9327-893B63A51CD4}" type="datetimeFigureOut">
               <a:rPr lang="en-US" smtClean="0"/>
-              <a:t>2/8/2024</a:t>
+              <a:t>2/21/2024</a:t>
             </a:fld>
             <a:endParaRPr lang="en-US"/>
           </a:p>
@@ -2667,7 +2672,7 @@
           <a:p>
             <a:fld id="{D8933E5B-3FC3-4E87-9327-893B63A51CD4}" type="datetimeFigureOut">
               <a:rPr lang="en-US" smtClean="0"/>
-              <a:t>2/8/2024</a:t>
+              <a:t>2/21/2024</a:t>
             </a:fld>
             <a:endParaRPr lang="en-US"/>
           </a:p>
@@ -2908,7 +2913,7 @@
           <a:p>
             <a:fld id="{D8933E5B-3FC3-4E87-9327-893B63A51CD4}" type="datetimeFigureOut">
               <a:rPr lang="en-US" smtClean="0"/>
-              <a:t>2/8/2024</a:t>
+              <a:t>2/21/2024</a:t>
             </a:fld>
             <a:endParaRPr lang="en-US"/>
           </a:p>
@@ -3819,8 +3824,8 @@
           </a:p>
         </p:txBody>
       </p:sp>
-      <mc:AlternateContent xmlns:mc="http://schemas.openxmlformats.org/markup-compatibility/2006">
-        <mc:Choice xmlns:a14="http://schemas.microsoft.com/office/drawing/2010/main" Requires="a14">
+      <mc:AlternateContent xmlns:mc="http://schemas.openxmlformats.org/markup-compatibility/2006" xmlns:a14="http://schemas.microsoft.com/office/drawing/2010/main">
+        <mc:Choice Requires="a14">
           <p:sp>
             <p:nvSpPr>
               <p:cNvPr id="5" name="TextBox 4">
@@ -3849,6 +3854,7 @@
               </a:bodyPr>
               <a:lstStyle/>
               <a:p>
+                <a:pPr/>
                 <a14:m>
                   <m:oMathPara xmlns:m="http://schemas.openxmlformats.org/officeDocument/2006/math">
                     <m:oMathParaPr>
@@ -3933,7 +3939,7 @@
             </p:txBody>
           </p:sp>
         </mc:Choice>
-        <mc:Fallback>
+        <mc:Fallback xmlns="">
           <p:sp>
             <p:nvSpPr>
               <p:cNvPr id="5" name="TextBox 4">
@@ -3978,8 +3984,8 @@
           </p:sp>
         </mc:Fallback>
       </mc:AlternateContent>
-      <mc:AlternateContent xmlns:mc="http://schemas.openxmlformats.org/markup-compatibility/2006">
-        <mc:Choice xmlns:a14="http://schemas.microsoft.com/office/drawing/2010/main" Requires="a14">
+      <mc:AlternateContent xmlns:mc="http://schemas.openxmlformats.org/markup-compatibility/2006" xmlns:a14="http://schemas.microsoft.com/office/drawing/2010/main">
+        <mc:Choice Requires="a14">
           <p:sp>
             <p:nvSpPr>
               <p:cNvPr id="6" name="TextBox 5">
@@ -4008,6 +4014,7 @@
               </a:bodyPr>
               <a:lstStyle/>
               <a:p>
+                <a:pPr/>
                 <a14:m>
                   <m:oMathPara xmlns:m="http://schemas.openxmlformats.org/officeDocument/2006/math">
                     <m:oMathParaPr>
@@ -4112,7 +4119,7 @@
             </p:txBody>
           </p:sp>
         </mc:Choice>
-        <mc:Fallback>
+        <mc:Fallback xmlns="">
           <p:sp>
             <p:nvSpPr>
               <p:cNvPr id="6" name="TextBox 5">
@@ -4157,8 +4164,8 @@
           </p:sp>
         </mc:Fallback>
       </mc:AlternateContent>
-      <mc:AlternateContent xmlns:mc="http://schemas.openxmlformats.org/markup-compatibility/2006">
-        <mc:Choice xmlns:a14="http://schemas.microsoft.com/office/drawing/2010/main" Requires="a14">
+      <mc:AlternateContent xmlns:mc="http://schemas.openxmlformats.org/markup-compatibility/2006" xmlns:a14="http://schemas.microsoft.com/office/drawing/2010/main">
+        <mc:Choice Requires="a14">
           <p:sp>
             <p:nvSpPr>
               <p:cNvPr id="7" name="TextBox 6">
@@ -4187,6 +4194,7 @@
               </a:bodyPr>
               <a:lstStyle/>
               <a:p>
+                <a:pPr/>
                 <a14:m>
                   <m:oMathPara xmlns:m="http://schemas.openxmlformats.org/officeDocument/2006/math">
                     <m:oMathParaPr>
@@ -4218,13 +4226,7 @@
                             <a:rPr lang="en-US" b="0" i="1" smtClean="0">
                               <a:latin typeface="Cambria Math" panose="02040503050406030204" pitchFamily="18" charset="0"/>
                             </a:rPr>
-                            <m:t>)∗1.334</m:t>
-                          </m:r>
-                          <m:r>
-                            <a:rPr lang="en-US" b="0" i="1" smtClean="0">
-                              <a:latin typeface="Cambria Math" panose="02040503050406030204" pitchFamily="18" charset="0"/>
-                            </a:rPr>
-                            <m:t>+(3−</m:t>
+                            <m:t>)∗1.334+(3−</m:t>
                           </m:r>
                           <m:r>
                             <a:rPr lang="en-US" b="0" i="1" smtClean="0">
@@ -4272,7 +4274,7 @@
             </p:txBody>
           </p:sp>
         </mc:Choice>
-        <mc:Fallback>
+        <mc:Fallback xmlns="">
           <p:sp>
             <p:nvSpPr>
               <p:cNvPr id="7" name="TextBox 6">
@@ -4317,8 +4319,8 @@
           </p:sp>
         </mc:Fallback>
       </mc:AlternateContent>
-      <mc:AlternateContent xmlns:mc="http://schemas.openxmlformats.org/markup-compatibility/2006">
-        <mc:Choice xmlns:a14="http://schemas.microsoft.com/office/drawing/2010/main" Requires="a14">
+      <mc:AlternateContent xmlns:mc="http://schemas.openxmlformats.org/markup-compatibility/2006" xmlns:a14="http://schemas.microsoft.com/office/drawing/2010/main">
+        <mc:Choice Requires="a14">
           <p:sp>
             <p:nvSpPr>
               <p:cNvPr id="8" name="TextBox 7">
@@ -4347,6 +4349,7 @@
               </a:bodyPr>
               <a:lstStyle/>
               <a:p>
+                <a:pPr/>
                 <a14:m>
                   <m:oMathPara xmlns:m="http://schemas.openxmlformats.org/officeDocument/2006/math">
                     <m:oMathParaPr>
@@ -4413,7 +4416,7 @@
             </p:txBody>
           </p:sp>
         </mc:Choice>
-        <mc:Fallback>
+        <mc:Fallback xmlns="">
           <p:sp>
             <p:nvSpPr>
               <p:cNvPr id="8" name="TextBox 7">
@@ -5756,7 +5759,7 @@
         <p:spPr>
           <a:xfrm>
             <a:off x="9184870" y="2025161"/>
-            <a:ext cx="2325385" cy="923330"/>
+            <a:ext cx="2325385" cy="1200329"/>
           </a:xfrm>
           <a:prstGeom prst="rect">
             <a:avLst/>
@@ -5771,7 +5774,7 @@
           <a:p>
             <a:r>
               <a:rPr lang="en-US" dirty="0"/>
-              <a:t>4. Add bio-133 to make 2mm thick. Use UV oven to cure</a:t>
+              <a:t>4. Add bio-133 to make 2mm thick. Place slide on top. Use UV oven to cure</a:t>
             </a:r>
           </a:p>
         </p:txBody>
@@ -6172,8 +6175,8 @@
         </p:nvSpPr>
         <p:spPr>
           <a:xfrm>
-            <a:off x="4166670" y="4567148"/>
-            <a:ext cx="1857688" cy="369332"/>
+            <a:off x="4215378" y="4221428"/>
+            <a:ext cx="1929330" cy="923330"/>
           </a:xfrm>
           <a:prstGeom prst="rect">
             <a:avLst/>
@@ -6181,14 +6184,14 @@
           <a:noFill/>
         </p:spPr>
         <p:txBody>
-          <a:bodyPr wrap="none" rtlCol="0">
+          <a:bodyPr wrap="square" rtlCol="0">
             <a:spAutoFit/>
           </a:bodyPr>
           <a:lstStyle/>
           <a:p>
             <a:r>
               <a:rPr lang="en-US" dirty="0"/>
-              <a:t>7. Cut from PDMS</a:t>
+              <a:t>7. Remove Bio-133 from PDMS and peel off of slide</a:t>
             </a:r>
           </a:p>
         </p:txBody>
@@ -6401,6 +6404,183 @@
               <a:rPr lang="en-US" sz="1400" dirty="0"/>
               <a:t>Current pressure plate is designed for a 2-3mm thick device in all spots to apply pressure around the entire border of device. This matches well to it</a:t>
             </a:r>
+          </a:p>
+        </p:txBody>
+      </p:sp>
+      <p:sp>
+        <p:nvSpPr>
+          <p:cNvPr id="3" name="Rectangle 2">
+            <a:extLst>
+              <a:ext uri="{FF2B5EF4-FFF2-40B4-BE49-F238E27FC236}">
+                <a16:creationId xmlns:a16="http://schemas.microsoft.com/office/drawing/2014/main" id="{2E2AAF59-7FB5-F52B-32A7-F2439D08D3EA}"/>
+              </a:ext>
+            </a:extLst>
+          </p:cNvPr>
+          <p:cNvSpPr/>
+          <p:nvPr/>
+        </p:nvSpPr>
+        <p:spPr>
+          <a:xfrm>
+            <a:off x="9489410" y="3234461"/>
+            <a:ext cx="1115860" cy="52237"/>
+          </a:xfrm>
+          <a:prstGeom prst="rect">
+            <a:avLst/>
+          </a:prstGeom>
+        </p:spPr>
+        <p:style>
+          <a:lnRef idx="2">
+            <a:schemeClr val="accent1">
+              <a:shade val="15000"/>
+            </a:schemeClr>
+          </a:lnRef>
+          <a:fillRef idx="1">
+            <a:schemeClr val="accent1"/>
+          </a:fillRef>
+          <a:effectRef idx="0">
+            <a:schemeClr val="accent1"/>
+          </a:effectRef>
+          <a:fontRef idx="minor">
+            <a:schemeClr val="lt1"/>
+          </a:fontRef>
+        </p:style>
+        <p:txBody>
+          <a:bodyPr rtlCol="0" anchor="ctr"/>
+          <a:lstStyle/>
+          <a:p>
+            <a:pPr algn="ctr"/>
+            <a:endParaRPr lang="en-US"/>
+          </a:p>
+        </p:txBody>
+      </p:sp>
+      <p:sp>
+        <p:nvSpPr>
+          <p:cNvPr id="5" name="TextBox 4">
+            <a:extLst>
+              <a:ext uri="{FF2B5EF4-FFF2-40B4-BE49-F238E27FC236}">
+                <a16:creationId xmlns:a16="http://schemas.microsoft.com/office/drawing/2014/main" id="{1C569CEA-C9DE-DEA1-C013-BCC60BC4978C}"/>
+              </a:ext>
+            </a:extLst>
+          </p:cNvPr>
+          <p:cNvSpPr txBox="1"/>
+          <p:nvPr/>
+        </p:nvSpPr>
+        <p:spPr>
+          <a:xfrm>
+            <a:off x="11205029" y="2875221"/>
+            <a:ext cx="445956" cy="253916"/>
+          </a:xfrm>
+          <a:prstGeom prst="rect">
+            <a:avLst/>
+          </a:prstGeom>
+          <a:noFill/>
+          <a:ln w="12700">
+            <a:solidFill>
+              <a:schemeClr val="tx1"/>
+            </a:solidFill>
+          </a:ln>
+        </p:spPr>
+        <p:txBody>
+          <a:bodyPr wrap="none" rtlCol="0">
+            <a:spAutoFit/>
+          </a:bodyPr>
+          <a:lstStyle/>
+          <a:p>
+            <a:r>
+              <a:rPr lang="en-US" sz="1050" dirty="0"/>
+              <a:t>Slide</a:t>
+            </a:r>
+          </a:p>
+        </p:txBody>
+      </p:sp>
+      <p:cxnSp>
+        <p:nvCxnSpPr>
+          <p:cNvPr id="31" name="Straight Arrow Connector 30">
+            <a:extLst>
+              <a:ext uri="{FF2B5EF4-FFF2-40B4-BE49-F238E27FC236}">
+                <a16:creationId xmlns:a16="http://schemas.microsoft.com/office/drawing/2014/main" id="{0524CAE9-7734-75DB-65AF-7DD2C30B0872}"/>
+              </a:ext>
+            </a:extLst>
+          </p:cNvPr>
+          <p:cNvCxnSpPr>
+            <a:cxnSpLocks/>
+            <a:stCxn id="5" idx="1"/>
+          </p:cNvCxnSpPr>
+          <p:nvPr/>
+        </p:nvCxnSpPr>
+        <p:spPr>
+          <a:xfrm flipH="1">
+            <a:off x="10522857" y="3002179"/>
+            <a:ext cx="682172" cy="175696"/>
+          </a:xfrm>
+          <a:prstGeom prst="straightConnector1">
+            <a:avLst/>
+          </a:prstGeom>
+          <a:ln>
+            <a:solidFill>
+              <a:schemeClr val="tx1"/>
+            </a:solidFill>
+            <a:tailEnd type="triangle"/>
+          </a:ln>
+        </p:spPr>
+        <p:style>
+          <a:lnRef idx="1">
+            <a:schemeClr val="accent1"/>
+          </a:lnRef>
+          <a:fillRef idx="0">
+            <a:schemeClr val="accent1"/>
+          </a:fillRef>
+          <a:effectRef idx="0">
+            <a:schemeClr val="accent1"/>
+          </a:effectRef>
+          <a:fontRef idx="minor">
+            <a:schemeClr val="tx1"/>
+          </a:fontRef>
+        </p:style>
+      </p:cxnSp>
+      <p:sp>
+        <p:nvSpPr>
+          <p:cNvPr id="35" name="Rectangle 34">
+            <a:extLst>
+              <a:ext uri="{FF2B5EF4-FFF2-40B4-BE49-F238E27FC236}">
+                <a16:creationId xmlns:a16="http://schemas.microsoft.com/office/drawing/2014/main" id="{2D679611-FF1B-B71D-A2D8-A62A871AA038}"/>
+              </a:ext>
+            </a:extLst>
+          </p:cNvPr>
+          <p:cNvSpPr/>
+          <p:nvPr/>
+        </p:nvSpPr>
+        <p:spPr>
+          <a:xfrm>
+            <a:off x="1327270" y="5092521"/>
+            <a:ext cx="1115860" cy="52237"/>
+          </a:xfrm>
+          <a:prstGeom prst="rect">
+            <a:avLst/>
+          </a:prstGeom>
+        </p:spPr>
+        <p:style>
+          <a:lnRef idx="2">
+            <a:schemeClr val="accent1">
+              <a:shade val="15000"/>
+            </a:schemeClr>
+          </a:lnRef>
+          <a:fillRef idx="1">
+            <a:schemeClr val="accent1"/>
+          </a:fillRef>
+          <a:effectRef idx="0">
+            <a:schemeClr val="accent1"/>
+          </a:effectRef>
+          <a:fontRef idx="minor">
+            <a:schemeClr val="lt1"/>
+          </a:fontRef>
+        </p:style>
+        <p:txBody>
+          <a:bodyPr rtlCol="0" anchor="ctr"/>
+          <a:lstStyle/>
+          <a:p>
+            <a:pPr algn="ctr"/>
+            <a:endParaRPr lang="en-US"/>
           </a:p>
         </p:txBody>
       </p:sp>
